--- a/examples/basic/report.pptx
+++ b/examples/basic/report.pptx
@@ -3090,7 +3090,7 @@
       <p:grpSpPr/>
       <p:pic>
         <p:nvPicPr>
-          <p:cNvPr id="2" name="Picture 1" descr="tmpfqfc4ife.png"/>
+          <p:cNvPr id="2" name="Picture 1" descr="tmpnjyhjcm9.png"/>
           <p:cNvPicPr>
             <a:picLocks noChangeAspect="1"/>
           </p:cNvPicPr>
@@ -3114,7 +3114,7 @@
       </p:pic>
       <p:pic>
         <p:nvPicPr>
-          <p:cNvPr id="3" name="Picture 2" descr="tmp3ntuzf57.png"/>
+          <p:cNvPr id="3" name="Picture 2" descr="tmpetebsckq.png"/>
           <p:cNvPicPr>
             <a:picLocks noChangeAspect="1"/>
           </p:cNvPicPr>
@@ -3138,7 +3138,7 @@
       </p:pic>
       <p:pic>
         <p:nvPicPr>
-          <p:cNvPr id="4" name="Picture 3" descr="tmpgh72usgy.png"/>
+          <p:cNvPr id="4" name="Picture 3" descr="tmpvu01ed69.png"/>
           <p:cNvPicPr>
             <a:picLocks noChangeAspect="1"/>
           </p:cNvPicPr>

--- a/examples/basic/report.pptx
+++ b/examples/basic/report.pptx
@@ -3090,7 +3090,7 @@
       <p:grpSpPr/>
       <p:pic>
         <p:nvPicPr>
-          <p:cNvPr id="2" name="Picture 1" descr="tmpnjyhjcm9.png"/>
+          <p:cNvPr id="2" name="Picture 1" descr="tmp7sehulpo.png"/>
           <p:cNvPicPr>
             <a:picLocks noChangeAspect="1"/>
           </p:cNvPicPr>
@@ -3105,7 +3105,7 @@
         <p:spPr>
           <a:xfrm>
             <a:off x="1188720" y="274320"/>
-            <a:ext cx="2011680" cy="2103120"/>
+            <a:ext cx="2010960" cy="2102437"/>
           </a:xfrm>
           <a:prstGeom prst="rect">
             <a:avLst/>
@@ -3114,7 +3114,7 @@
       </p:pic>
       <p:pic>
         <p:nvPicPr>
-          <p:cNvPr id="3" name="Picture 2" descr="tmpetebsckq.png"/>
+          <p:cNvPr id="3" name="Picture 2" descr="tmpse6avld2.png"/>
           <p:cNvPicPr>
             <a:picLocks noChangeAspect="1"/>
           </p:cNvPicPr>
@@ -3129,7 +3129,7 @@
         <p:spPr>
           <a:xfrm>
             <a:off x="4937760" y="3017520"/>
-            <a:ext cx="4389120" cy="2286000"/>
+            <a:ext cx="4388400" cy="2284895"/>
           </a:xfrm>
           <a:prstGeom prst="rect">
             <a:avLst/>
@@ -3138,7 +3138,7 @@
       </p:pic>
       <p:pic>
         <p:nvPicPr>
-          <p:cNvPr id="4" name="Picture 3" descr="tmpvu01ed69.png"/>
+          <p:cNvPr id="4" name="Picture 3" descr="tmpe4x8e697.png"/>
           <p:cNvPicPr>
             <a:picLocks noChangeAspect="1"/>
           </p:cNvPicPr>
@@ -3153,7 +3153,108 @@
         <p:spPr>
           <a:xfrm>
             <a:off x="7406640" y="182880"/>
-            <a:ext cx="2468880" cy="1737360"/>
+            <a:ext cx="2468160" cy="1736402"/>
+          </a:xfrm>
+          <a:prstGeom prst="rect">
+            <a:avLst/>
+          </a:prstGeom>
+        </p:spPr>
+      </p:pic>
+      <p:sp>
+        <p:nvSpPr>
+          <p:cNvPr id="41" name="CustomShape 4"/>
+          <p:cNvSpPr/>
+          <p:nvPr/>
+        </p:nvSpPr>
+        <p:spPr>
+          <a:xfrm>
+            <a:off x="4114800" y="731520"/>
+            <a:ext cx="2834280" cy="1279800"/>
+          </a:xfrm>
+          <a:prstGeom prst="wedgeRoundRectCallout">
+            <a:avLst>
+              <a:gd name="adj1" fmla="val -26916"/>
+              <a:gd name="adj2" fmla="val 78731"/>
+              <a:gd name="adj3" fmla="val 16667"/>
+            </a:avLst>
+          </a:prstGeom>
+          <a:solidFill>
+            <a:srgbClr val="ed1c24"/>
+          </a:solidFill>
+          <a:ln>
+            <a:solidFill>
+              <a:srgbClr val="3465a4"/>
+            </a:solidFill>
+          </a:ln>
+        </p:spPr>
+        <p:style>
+          <a:lnRef idx="0"/>
+          <a:fillRef idx="0"/>
+          <a:effectRef idx="0"/>
+          <a:fontRef idx="minor"/>
+        </p:style>
+        <p:txBody>
+          <a:bodyPr wrap="none" lIns="90000" rIns="90000" tIns="45000" bIns="45000" anchor="ctr"/>
+          <a:p>
+            <a:pPr algn="ctr">
+              <a:lnSpc>
+                <a:spcPct val="100000"/>
+              </a:lnSpc>
+            </a:pPr>
+            <a:r>
+              <a:rPr b="0" lang="en-US" sz="1800" spc="-1" strike="noStrike">
+                <a:solidFill>
+                  <a:srgbClr val="000000"/>
+                </a:solidFill>
+                <a:latin typeface="Arial"/>
+                <a:ea typeface="DejaVu Sans"/>
+              </a:rPr>
+              <a:t>HELLO WORLD</a:t>
+            </a:r>
+            <a:endParaRPr b="0" lang="en-US" sz="1800" spc="-1" strike="noStrike">
+              <a:latin typeface="Arial"/>
+            </a:endParaRPr>
+          </a:p>
+          <a:p>
+            <a:pPr algn="ctr">
+              <a:lnSpc>
+                <a:spcPct val="100000"/>
+              </a:lnSpc>
+            </a:pPr>
+            <a:r>
+              <a:rPr b="0" lang="en-US" sz="1800" spc="-1" strike="noStrike">
+                <a:solidFill>
+                  <a:srgbClr val="000000"/>
+                </a:solidFill>
+                <a:latin typeface="Arial"/>
+                <a:ea typeface="DejaVu Sans"/>
+              </a:rPr>
+              <a:t>This text should stay</a:t>
+            </a:r>
+            <a:endParaRPr b="0" lang="en-US" sz="1800" spc="-1" strike="noStrike">
+              <a:latin typeface="Arial"/>
+            </a:endParaRPr>
+          </a:p>
+        </p:txBody>
+      </p:sp>
+      <p:pic>
+        <p:nvPicPr>
+          <p:cNvPr id="42" name="Picture 41" descr="tmpqfounqen"/>
+          <p:cNvPicPr>
+            <a:picLocks noChangeAspect="1"/>
+          </p:cNvPicPr>
+          <p:nvPr/>
+        </p:nvPicPr>
+        <p:blipFill>
+          <a:blip r:embed="rId5"/>
+          <a:stretch>
+            <a:fillRect/>
+          </a:stretch>
+        </p:blipFill>
+        <p:spPr>
+          <a:xfrm>
+            <a:off x="287280" y="3749040"/>
+            <a:ext cx="1724400" cy="1652760"/>
           </a:xfrm>
           <a:prstGeom prst="rect">
             <a:avLst/>

--- a/examples/basic/report.pptx
+++ b/examples/basic/report.pptx
@@ -3090,7 +3090,7 @@
       <p:grpSpPr/>
       <p:pic>
         <p:nvPicPr>
-          <p:cNvPr id="2" name="Picture 1" descr="tmp7sehulpo.png"/>
+          <p:cNvPr id="2" name="Picture 1" descr="tmpgf1teifd.png"/>
           <p:cNvPicPr>
             <a:picLocks noChangeAspect="1"/>
           </p:cNvPicPr>
@@ -3105,7 +3105,7 @@
         <p:spPr>
           <a:xfrm>
             <a:off x="1188720" y="274320"/>
-            <a:ext cx="2010960" cy="2102437"/>
+            <a:ext cx="2010240" cy="2101684"/>
           </a:xfrm>
           <a:prstGeom prst="rect">
             <a:avLst/>
@@ -3114,7 +3114,7 @@
       </p:pic>
       <p:pic>
         <p:nvPicPr>
-          <p:cNvPr id="3" name="Picture 2" descr="tmpse6avld2.png"/>
+          <p:cNvPr id="3" name="Picture 2" descr="tmpbm4dyrvm.png"/>
           <p:cNvPicPr>
             <a:picLocks noChangeAspect="1"/>
           </p:cNvPicPr>
@@ -3129,7 +3129,7 @@
         <p:spPr>
           <a:xfrm>
             <a:off x="4937760" y="3017520"/>
-            <a:ext cx="4388400" cy="2284895"/>
+            <a:ext cx="4387680" cy="2284520"/>
           </a:xfrm>
           <a:prstGeom prst="rect">
             <a:avLst/>
@@ -3138,7 +3138,7 @@
       </p:pic>
       <p:pic>
         <p:nvPicPr>
-          <p:cNvPr id="4" name="Picture 3" descr="tmpe4x8e697.png"/>
+          <p:cNvPr id="4" name="Picture 3" descr="tmpr58ax3wx.png"/>
           <p:cNvPicPr>
             <a:picLocks noChangeAspect="1"/>
           </p:cNvPicPr>
@@ -3153,7 +3153,7 @@
         <p:spPr>
           <a:xfrm>
             <a:off x="7406640" y="182880"/>
-            <a:ext cx="2468160" cy="1736402"/>
+            <a:ext cx="2467440" cy="1735895"/>
           </a:xfrm>
           <a:prstGeom prst="rect">
             <a:avLst/>
@@ -3162,14 +3162,14 @@
       </p:pic>
       <p:sp>
         <p:nvSpPr>
-          <p:cNvPr id="41" name="CustomShape 4"/>
+          <p:cNvPr id="39" name="CustomShape 4"/>
           <p:cNvSpPr/>
           <p:nvPr/>
         </p:nvSpPr>
         <p:spPr>
           <a:xfrm>
             <a:off x="4114800" y="731520"/>
-            <a:ext cx="2834280" cy="1279800"/>
+            <a:ext cx="2833560" cy="1279080"/>
           </a:xfrm>
           <a:prstGeom prst="wedgeRoundRectCallout">
             <a:avLst>
@@ -3196,50 +3196,20 @@
         <p:txBody>
           <a:bodyPr wrap="none" lIns="90000" rIns="90000" tIns="45000" bIns="45000" anchor="ctr"/>
           <a:p>
-            <a:pPr algn="ctr">
-              <a:lnSpc>
-                <a:spcPct val="100000"/>
-              </a:lnSpc>
-            </a:pPr>
-            <a:r>
-              <a:rPr b="0" lang="en-US" sz="1800" spc="-1" strike="noStrike">
-                <a:solidFill>
-                  <a:srgbClr val="000000"/>
-                </a:solidFill>
-                <a:latin typeface="Arial"/>
-                <a:ea typeface="DejaVu Sans"/>
-              </a:rPr>
+            <a:r>
               <a:t>HELLO WORLD</a:t>
             </a:r>
-            <a:endParaRPr b="0" lang="en-US" sz="1800" spc="-1" strike="noStrike">
-              <a:latin typeface="Arial"/>
-            </a:endParaRPr>
-          </a:p>
-          <a:p>
-            <a:pPr algn="ctr">
-              <a:lnSpc>
-                <a:spcPct val="100000"/>
-              </a:lnSpc>
-            </a:pPr>
-            <a:r>
-              <a:rPr b="0" lang="en-US" sz="1800" spc="-1" strike="noStrike">
-                <a:solidFill>
-                  <a:srgbClr val="000000"/>
-                </a:solidFill>
-                <a:latin typeface="Arial"/>
-                <a:ea typeface="DejaVu Sans"/>
-              </a:rPr>
+          </a:p>
+          <a:p>
+            <a:r>
               <a:t>This text should stay</a:t>
             </a:r>
-            <a:endParaRPr b="0" lang="en-US" sz="1800" spc="-1" strike="noStrike">
-              <a:latin typeface="Arial"/>
-            </a:endParaRPr>
           </a:p>
         </p:txBody>
       </p:sp>
       <p:pic>
         <p:nvPicPr>
-          <p:cNvPr id="42" name="Picture 41" descr="tmpqfounqen"/>
+          <p:cNvPr id="40" name="Picture 39" descr="tmps70bei4e"/>
           <p:cNvPicPr>
             <a:picLocks noChangeAspect="1"/>
           </p:cNvPicPr>
@@ -3254,13 +3224,47 @@
         <p:spPr>
           <a:xfrm>
             <a:off x="287280" y="3749040"/>
-            <a:ext cx="1724400" cy="1652760"/>
+            <a:ext cx="1723680" cy="1652040"/>
           </a:xfrm>
           <a:prstGeom prst="rect">
             <a:avLst/>
           </a:prstGeom>
         </p:spPr>
       </p:pic>
+      <p:sp>
+        <p:nvSpPr>
+          <p:cNvPr id="41" name="CustomShape 5"/>
+          <p:cNvSpPr/>
+          <p:nvPr/>
+        </p:nvSpPr>
+        <p:spPr>
+          <a:xfrm>
+            <a:off x="365760" y="2651760"/>
+            <a:ext cx="2926080" cy="548640"/>
+          </a:xfrm>
+          <a:prstGeom prst="rect">
+            <a:avLst/>
+          </a:prstGeom>
+          <a:noFill/>
+          <a:ln>
+            <a:noFill/>
+          </a:ln>
+        </p:spPr>
+        <p:style>
+          <a:lnRef idx="0"/>
+          <a:fillRef idx="0"/>
+          <a:effectRef idx="0"/>
+          <a:fontRef idx="minor"/>
+        </p:style>
+        <p:txBody>
+          <a:bodyPr lIns="90000" rIns="90000" tIns="45000" bIns="45000"/>
+          <a:p>
+            <a:r>
+              <a:t>This is the variable 123</a:t>
+            </a:r>
+          </a:p>
+        </p:txBody>
+      </p:sp>
     </p:spTree>
   </p:cSld>
   <p:clrMapOvr>

--- a/examples/basic/report.pptx
+++ b/examples/basic/report.pptx
@@ -3090,7 +3090,7 @@
       <p:grpSpPr/>
       <p:pic>
         <p:nvPicPr>
-          <p:cNvPr id="2" name="Picture 1" descr="tmpgf1teifd.png"/>
+          <p:cNvPr id="2" name="Picture 1" descr="tmp79jxe48x.png"/>
           <p:cNvPicPr>
             <a:picLocks noChangeAspect="1"/>
           </p:cNvPicPr>
@@ -3114,7 +3114,7 @@
       </p:pic>
       <p:pic>
         <p:nvPicPr>
-          <p:cNvPr id="3" name="Picture 2" descr="tmpbm4dyrvm.png"/>
+          <p:cNvPr id="3" name="Picture 2" descr="tmpjfm23xef.png"/>
           <p:cNvPicPr>
             <a:picLocks noChangeAspect="1"/>
           </p:cNvPicPr>
@@ -3138,7 +3138,7 @@
       </p:pic>
       <p:pic>
         <p:nvPicPr>
-          <p:cNvPr id="4" name="Picture 3" descr="tmpr58ax3wx.png"/>
+          <p:cNvPr id="4" name="Picture 3" descr="tmpjuust0tb.png"/>
           <p:cNvPicPr>
             <a:picLocks noChangeAspect="1"/>
           </p:cNvPicPr>
@@ -3209,7 +3209,7 @@
       </p:sp>
       <p:pic>
         <p:nvPicPr>
-          <p:cNvPr id="40" name="Picture 39" descr="tmps70bei4e"/>
+          <p:cNvPr id="40" name="Picture 39" descr="tmpg3xnw8dr"/>
           <p:cNvPicPr>
             <a:picLocks noChangeAspect="1"/>
           </p:cNvPicPr>

--- a/examples/basic/report.pptx
+++ b/examples/basic/report.pptx
@@ -3090,7 +3090,7 @@
       <p:grpSpPr/>
       <p:pic>
         <p:nvPicPr>
-          <p:cNvPr id="2" name="Picture 1" descr="tmp79jxe48x.png"/>
+          <p:cNvPr id="2" name="Picture 1" descr="tmp9idkv8wy.png"/>
           <p:cNvPicPr>
             <a:picLocks noChangeAspect="1"/>
           </p:cNvPicPr>
@@ -3114,7 +3114,7 @@
       </p:pic>
       <p:pic>
         <p:nvPicPr>
-          <p:cNvPr id="3" name="Picture 2" descr="tmpjfm23xef.png"/>
+          <p:cNvPr id="3" name="Picture 2" descr="tmpuja6q150.png"/>
           <p:cNvPicPr>
             <a:picLocks noChangeAspect="1"/>
           </p:cNvPicPr>
@@ -3138,7 +3138,7 @@
       </p:pic>
       <p:pic>
         <p:nvPicPr>
-          <p:cNvPr id="4" name="Picture 3" descr="tmpjuust0tb.png"/>
+          <p:cNvPr id="4" name="Picture 3" descr="tmpwn8hdicu.png"/>
           <p:cNvPicPr>
             <a:picLocks noChangeAspect="1"/>
           </p:cNvPicPr>
@@ -3162,7 +3162,7 @@
       </p:pic>
       <p:sp>
         <p:nvSpPr>
-          <p:cNvPr id="39" name="CustomShape 4"/>
+          <p:cNvPr id="41" name="CustomShape 4"/>
           <p:cNvSpPr/>
           <p:nvPr/>
         </p:nvSpPr>
@@ -3209,7 +3209,7 @@
       </p:sp>
       <p:pic>
         <p:nvPicPr>
-          <p:cNvPr id="40" name="Picture 39" descr="tmpg3xnw8dr"/>
+          <p:cNvPr id="42" name="Picture 41" descr="tmp450tdx7l"/>
           <p:cNvPicPr>
             <a:picLocks noChangeAspect="1"/>
           </p:cNvPicPr>
@@ -3233,7 +3233,7 @@
       </p:pic>
       <p:sp>
         <p:nvSpPr>
-          <p:cNvPr id="41" name="CustomShape 5"/>
+          <p:cNvPr id="43" name="CustomShape 5"/>
           <p:cNvSpPr/>
           <p:nvPr/>
         </p:nvSpPr>
